--- a/src/rhino/plugin/Workflow.pptx
+++ b/src/rhino/plugin/Workflow.pptx
@@ -6,6 +6,7 @@
   </p:sldMasterIdLst>
   <p:sldIdLst>
     <p:sldId id="256" r:id="rId2"/>
+    <p:sldId id="257" r:id="rId3"/>
   </p:sldIdLst>
   <p:sldSz cx="12192000" cy="6858000"/>
   <p:notesSz cx="6858000" cy="9144000"/>
@@ -104,6 +105,11 @@
       </a:defRPr>
     </a:lvl9pPr>
   </p:defaultTextStyle>
+  <p:extLst>
+    <p:ext uri="{EFAFB233-063F-42B5-8137-9DF3F51BA10A}">
+      <p15:sldGuideLst xmlns:p15="http://schemas.microsoft.com/office/powerpoint/2012/main"/>
+    </p:ext>
+  </p:extLst>
 </p:presentation>
 </file>
 
@@ -256,7 +262,7 @@
           <a:p>
             <a:fld id="{1B65E72C-8CCD-41B0-8D13-C2C31D11E726}" type="datetimeFigureOut">
               <a:rPr lang="en-CH" smtClean="0"/>
-              <a:t>09/10/2024</a:t>
+              <a:t>12/10/2024</a:t>
             </a:fld>
             <a:endParaRPr lang="en-CH"/>
           </a:p>
@@ -456,7 +462,7 @@
           <a:p>
             <a:fld id="{1B65E72C-8CCD-41B0-8D13-C2C31D11E726}" type="datetimeFigureOut">
               <a:rPr lang="en-CH" smtClean="0"/>
-              <a:t>09/10/2024</a:t>
+              <a:t>12/10/2024</a:t>
             </a:fld>
             <a:endParaRPr lang="en-CH"/>
           </a:p>
@@ -666,7 +672,7 @@
           <a:p>
             <a:fld id="{1B65E72C-8CCD-41B0-8D13-C2C31D11E726}" type="datetimeFigureOut">
               <a:rPr lang="en-CH" smtClean="0"/>
-              <a:t>09/10/2024</a:t>
+              <a:t>12/10/2024</a:t>
             </a:fld>
             <a:endParaRPr lang="en-CH"/>
           </a:p>
@@ -866,7 +872,7 @@
           <a:p>
             <a:fld id="{1B65E72C-8CCD-41B0-8D13-C2C31D11E726}" type="datetimeFigureOut">
               <a:rPr lang="en-CH" smtClean="0"/>
-              <a:t>09/10/2024</a:t>
+              <a:t>12/10/2024</a:t>
             </a:fld>
             <a:endParaRPr lang="en-CH"/>
           </a:p>
@@ -1142,7 +1148,7 @@
           <a:p>
             <a:fld id="{1B65E72C-8CCD-41B0-8D13-C2C31D11E726}" type="datetimeFigureOut">
               <a:rPr lang="en-CH" smtClean="0"/>
-              <a:t>09/10/2024</a:t>
+              <a:t>12/10/2024</a:t>
             </a:fld>
             <a:endParaRPr lang="en-CH"/>
           </a:p>
@@ -1410,7 +1416,7 @@
           <a:p>
             <a:fld id="{1B65E72C-8CCD-41B0-8D13-C2C31D11E726}" type="datetimeFigureOut">
               <a:rPr lang="en-CH" smtClean="0"/>
-              <a:t>09/10/2024</a:t>
+              <a:t>12/10/2024</a:t>
             </a:fld>
             <a:endParaRPr lang="en-CH"/>
           </a:p>
@@ -1825,7 +1831,7 @@
           <a:p>
             <a:fld id="{1B65E72C-8CCD-41B0-8D13-C2C31D11E726}" type="datetimeFigureOut">
               <a:rPr lang="en-CH" smtClean="0"/>
-              <a:t>09/10/2024</a:t>
+              <a:t>12/10/2024</a:t>
             </a:fld>
             <a:endParaRPr lang="en-CH"/>
           </a:p>
@@ -1967,7 +1973,7 @@
           <a:p>
             <a:fld id="{1B65E72C-8CCD-41B0-8D13-C2C31D11E726}" type="datetimeFigureOut">
               <a:rPr lang="en-CH" smtClean="0"/>
-              <a:t>09/10/2024</a:t>
+              <a:t>12/10/2024</a:t>
             </a:fld>
             <a:endParaRPr lang="en-CH"/>
           </a:p>
@@ -2080,7 +2086,7 @@
           <a:p>
             <a:fld id="{1B65E72C-8CCD-41B0-8D13-C2C31D11E726}" type="datetimeFigureOut">
               <a:rPr lang="en-CH" smtClean="0"/>
-              <a:t>09/10/2024</a:t>
+              <a:t>12/10/2024</a:t>
             </a:fld>
             <a:endParaRPr lang="en-CH"/>
           </a:p>
@@ -2393,7 +2399,7 @@
           <a:p>
             <a:fld id="{1B65E72C-8CCD-41B0-8D13-C2C31D11E726}" type="datetimeFigureOut">
               <a:rPr lang="en-CH" smtClean="0"/>
-              <a:t>09/10/2024</a:t>
+              <a:t>12/10/2024</a:t>
             </a:fld>
             <a:endParaRPr lang="en-CH"/>
           </a:p>
@@ -2682,7 +2688,7 @@
           <a:p>
             <a:fld id="{1B65E72C-8CCD-41B0-8D13-C2C31D11E726}" type="datetimeFigureOut">
               <a:rPr lang="en-CH" smtClean="0"/>
-              <a:t>09/10/2024</a:t>
+              <a:t>12/10/2024</a:t>
             </a:fld>
             <a:endParaRPr lang="en-CH"/>
           </a:p>
@@ -2925,7 +2931,7 @@
           <a:p>
             <a:fld id="{1B65E72C-8CCD-41B0-8D13-C2C31D11E726}" type="datetimeFigureOut">
               <a:rPr lang="en-CH" smtClean="0"/>
-              <a:t>09/10/2024</a:t>
+              <a:t>12/10/2024</a:t>
             </a:fld>
             <a:endParaRPr lang="en-CH"/>
           </a:p>
@@ -4529,6 +4535,569 @@
 </p:sld>
 </file>
 
+<file path=ppt/slides/slide2.xml><?xml version="1.0" encoding="utf-8"?>
+<p:sld xmlns:a="http://schemas.openxmlformats.org/drawingml/2006/main" xmlns:r="http://schemas.openxmlformats.org/officeDocument/2006/relationships" xmlns:p="http://schemas.openxmlformats.org/presentationml/2006/main">
+  <p:cSld>
+    <p:spTree>
+      <p:nvGrpSpPr>
+        <p:cNvPr id="1" name="">
+          <a:extLst>
+            <a:ext uri="{FF2B5EF4-FFF2-40B4-BE49-F238E27FC236}">
+              <a16:creationId xmlns:a16="http://schemas.microsoft.com/office/drawing/2014/main" id="{B81355E9-2719-2B55-7178-2B3849F6A6A2}"/>
+            </a:ext>
+          </a:extLst>
+        </p:cNvPr>
+        <p:cNvGrpSpPr/>
+        <p:nvPr/>
+      </p:nvGrpSpPr>
+      <p:grpSpPr>
+        <a:xfrm>
+          <a:off x="0" y="0"/>
+          <a:ext cx="0" cy="0"/>
+          <a:chOff x="0" y="0"/>
+          <a:chExt cx="0" cy="0"/>
+        </a:xfrm>
+      </p:grpSpPr>
+      <p:sp>
+        <p:nvSpPr>
+          <p:cNvPr id="3" name="Rectangle 2">
+            <a:extLst>
+              <a:ext uri="{FF2B5EF4-FFF2-40B4-BE49-F238E27FC236}">
+                <a16:creationId xmlns:a16="http://schemas.microsoft.com/office/drawing/2014/main" id="{AADFE51B-36D0-8497-5CFB-17440BC746C7}"/>
+              </a:ext>
+            </a:extLst>
+          </p:cNvPr>
+          <p:cNvSpPr/>
+          <p:nvPr/>
+        </p:nvSpPr>
+        <p:spPr>
+          <a:xfrm>
+            <a:off x="4494124" y="1690688"/>
+            <a:ext cx="7139076" cy="3450431"/>
+          </a:xfrm>
+          <a:prstGeom prst="rect">
+            <a:avLst/>
+          </a:prstGeom>
+          <a:solidFill>
+            <a:schemeClr val="bg1">
+              <a:lumMod val="95000"/>
+            </a:schemeClr>
+          </a:solidFill>
+          <a:ln>
+            <a:noFill/>
+          </a:ln>
+          <a:effectLst>
+            <a:outerShdw blurRad="50800" dist="38100" dir="2700000" algn="tl" rotWithShape="0">
+              <a:prstClr val="black">
+                <a:alpha val="40000"/>
+              </a:prstClr>
+            </a:outerShdw>
+          </a:effectLst>
+        </p:spPr>
+        <p:style>
+          <a:lnRef idx="2">
+            <a:schemeClr val="dk1">
+              <a:shade val="15000"/>
+            </a:schemeClr>
+          </a:lnRef>
+          <a:fillRef idx="1">
+            <a:schemeClr val="dk1"/>
+          </a:fillRef>
+          <a:effectRef idx="0">
+            <a:schemeClr val="dk1"/>
+          </a:effectRef>
+          <a:fontRef idx="minor">
+            <a:schemeClr val="lt1"/>
+          </a:fontRef>
+        </p:style>
+        <p:txBody>
+          <a:bodyPr rtlCol="0" anchor="ctr"/>
+          <a:lstStyle/>
+          <a:p>
+            <a:pPr algn="ctr"/>
+            <a:endParaRPr lang="en-CH" dirty="0"/>
+          </a:p>
+        </p:txBody>
+      </p:sp>
+      <p:sp>
+        <p:nvSpPr>
+          <p:cNvPr id="4" name="Rectangle 3">
+            <a:extLst>
+              <a:ext uri="{FF2B5EF4-FFF2-40B4-BE49-F238E27FC236}">
+                <a16:creationId xmlns:a16="http://schemas.microsoft.com/office/drawing/2014/main" id="{3D9A26CE-794B-5678-55D8-1AA97DEC5281}"/>
+              </a:ext>
+            </a:extLst>
+          </p:cNvPr>
+          <p:cNvSpPr/>
+          <p:nvPr/>
+        </p:nvSpPr>
+        <p:spPr>
+          <a:xfrm>
+            <a:off x="1039725" y="1920870"/>
+            <a:ext cx="3261341" cy="564596"/>
+          </a:xfrm>
+          <a:prstGeom prst="rect">
+            <a:avLst/>
+          </a:prstGeom>
+          <a:solidFill>
+            <a:srgbClr val="00B0F0"/>
+          </a:solidFill>
+          <a:ln>
+            <a:noFill/>
+          </a:ln>
+          <a:effectLst>
+            <a:outerShdw blurRad="50800" dist="38100" dir="2700000" algn="tl" rotWithShape="0">
+              <a:prstClr val="black">
+                <a:alpha val="40000"/>
+              </a:prstClr>
+            </a:outerShdw>
+          </a:effectLst>
+        </p:spPr>
+        <p:style>
+          <a:lnRef idx="2">
+            <a:schemeClr val="dk1">
+              <a:shade val="15000"/>
+            </a:schemeClr>
+          </a:lnRef>
+          <a:fillRef idx="1">
+            <a:schemeClr val="dk1"/>
+          </a:fillRef>
+          <a:effectRef idx="0">
+            <a:schemeClr val="dk1"/>
+          </a:effectRef>
+          <a:fontRef idx="minor">
+            <a:schemeClr val="lt1"/>
+          </a:fontRef>
+        </p:style>
+        <p:txBody>
+          <a:bodyPr rtlCol="0" anchor="ctr"/>
+          <a:lstStyle/>
+          <a:p>
+            <a:pPr algn="ctr"/>
+            <a:r>
+              <a:rPr lang="en-US" dirty="0" err="1">
+                <a:latin typeface="Open Sans" pitchFamily="2" charset="0"/>
+                <a:ea typeface="Open Sans" pitchFamily="2" charset="0"/>
+                <a:cs typeface="Open Sans" pitchFamily="2" charset="0"/>
+              </a:rPr>
+              <a:t>w_dataset_cross_connection</a:t>
+            </a:r>
+            <a:endParaRPr lang="en-CH" dirty="0">
+              <a:latin typeface="Open Sans" pitchFamily="2" charset="0"/>
+              <a:ea typeface="Open Sans" pitchFamily="2" charset="0"/>
+              <a:cs typeface="Open Sans" pitchFamily="2" charset="0"/>
+            </a:endParaRPr>
+          </a:p>
+        </p:txBody>
+      </p:sp>
+      <p:sp>
+        <p:nvSpPr>
+          <p:cNvPr id="9" name="Rectangle 8">
+            <a:extLst>
+              <a:ext uri="{FF2B5EF4-FFF2-40B4-BE49-F238E27FC236}">
+                <a16:creationId xmlns:a16="http://schemas.microsoft.com/office/drawing/2014/main" id="{4C3F955D-C6BD-A310-E2B2-4F0363FDDC0E}"/>
+              </a:ext>
+            </a:extLst>
+          </p:cNvPr>
+          <p:cNvSpPr/>
+          <p:nvPr/>
+        </p:nvSpPr>
+        <p:spPr>
+          <a:xfrm>
+            <a:off x="1039725" y="2716736"/>
+            <a:ext cx="3261340" cy="564596"/>
+          </a:xfrm>
+          <a:prstGeom prst="rect">
+            <a:avLst/>
+          </a:prstGeom>
+          <a:solidFill>
+            <a:srgbClr val="FF3399"/>
+          </a:solidFill>
+          <a:ln>
+            <a:noFill/>
+          </a:ln>
+          <a:effectLst>
+            <a:outerShdw blurRad="50800" dist="38100" dir="2700000" algn="tl" rotWithShape="0">
+              <a:prstClr val="black">
+                <a:alpha val="40000"/>
+              </a:prstClr>
+            </a:outerShdw>
+          </a:effectLst>
+        </p:spPr>
+        <p:style>
+          <a:lnRef idx="2">
+            <a:schemeClr val="dk1">
+              <a:shade val="15000"/>
+            </a:schemeClr>
+          </a:lnRef>
+          <a:fillRef idx="1">
+            <a:schemeClr val="dk1"/>
+          </a:fillRef>
+          <a:effectRef idx="0">
+            <a:schemeClr val="dk1"/>
+          </a:effectRef>
+          <a:fontRef idx="minor">
+            <a:schemeClr val="lt1"/>
+          </a:fontRef>
+        </p:style>
+        <p:txBody>
+          <a:bodyPr rtlCol="0" anchor="ctr"/>
+          <a:lstStyle/>
+          <a:p>
+            <a:pPr algn="ctr"/>
+            <a:r>
+              <a:rPr lang="en-US" dirty="0">
+                <a:latin typeface="Open Sans" pitchFamily="2" charset="0"/>
+                <a:ea typeface="Open Sans" pitchFamily="2" charset="0"/>
+                <a:cs typeface="Open Sans" pitchFamily="2" charset="0"/>
+              </a:rPr>
+              <a:t>parameters</a:t>
+            </a:r>
+            <a:endParaRPr lang="en-CH" dirty="0">
+              <a:latin typeface="Open Sans" pitchFamily="2" charset="0"/>
+              <a:ea typeface="Open Sans" pitchFamily="2" charset="0"/>
+              <a:cs typeface="Open Sans" pitchFamily="2" charset="0"/>
+            </a:endParaRPr>
+          </a:p>
+        </p:txBody>
+      </p:sp>
+      <p:sp>
+        <p:nvSpPr>
+          <p:cNvPr id="14" name="Rectangle 13">
+            <a:extLst>
+              <a:ext uri="{FF2B5EF4-FFF2-40B4-BE49-F238E27FC236}">
+                <a16:creationId xmlns:a16="http://schemas.microsoft.com/office/drawing/2014/main" id="{96FEAC4B-079A-CAC6-9FCB-78771AD55EE5}"/>
+              </a:ext>
+            </a:extLst>
+          </p:cNvPr>
+          <p:cNvSpPr/>
+          <p:nvPr/>
+        </p:nvSpPr>
+        <p:spPr>
+          <a:xfrm>
+            <a:off x="1039725" y="3512602"/>
+            <a:ext cx="3261340" cy="564596"/>
+          </a:xfrm>
+          <a:prstGeom prst="rect">
+            <a:avLst/>
+          </a:prstGeom>
+          <a:solidFill>
+            <a:schemeClr val="tx1"/>
+          </a:solidFill>
+          <a:ln>
+            <a:noFill/>
+          </a:ln>
+          <a:effectLst>
+            <a:outerShdw blurRad="50800" dist="38100" dir="2700000" algn="tl" rotWithShape="0">
+              <a:prstClr val="black">
+                <a:alpha val="40000"/>
+              </a:prstClr>
+            </a:outerShdw>
+          </a:effectLst>
+        </p:spPr>
+        <p:style>
+          <a:lnRef idx="2">
+            <a:schemeClr val="dk1">
+              <a:shade val="15000"/>
+            </a:schemeClr>
+          </a:lnRef>
+          <a:fillRef idx="1">
+            <a:schemeClr val="dk1"/>
+          </a:fillRef>
+          <a:effectRef idx="0">
+            <a:schemeClr val="dk1"/>
+          </a:effectRef>
+          <a:fontRef idx="minor">
+            <a:schemeClr val="lt1"/>
+          </a:fontRef>
+        </p:style>
+        <p:txBody>
+          <a:bodyPr rtlCol="0" anchor="ctr"/>
+          <a:lstStyle/>
+          <a:p>
+            <a:pPr algn="ctr"/>
+            <a:r>
+              <a:rPr lang="en-US" dirty="0">
+                <a:latin typeface="Open Sans" pitchFamily="2" charset="0"/>
+                <a:ea typeface="Open Sans" pitchFamily="2" charset="0"/>
+                <a:cs typeface="Open Sans" pitchFamily="2" charset="0"/>
+              </a:rPr>
+              <a:t>solver</a:t>
+            </a:r>
+            <a:endParaRPr lang="en-CH" dirty="0">
+              <a:latin typeface="Open Sans" pitchFamily="2" charset="0"/>
+              <a:ea typeface="Open Sans" pitchFamily="2" charset="0"/>
+              <a:cs typeface="Open Sans" pitchFamily="2" charset="0"/>
+            </a:endParaRPr>
+          </a:p>
+        </p:txBody>
+      </p:sp>
+      <p:sp>
+        <p:nvSpPr>
+          <p:cNvPr id="26" name="Rectangle 25">
+            <a:extLst>
+              <a:ext uri="{FF2B5EF4-FFF2-40B4-BE49-F238E27FC236}">
+                <a16:creationId xmlns:a16="http://schemas.microsoft.com/office/drawing/2014/main" id="{EDC43BA8-8F95-2C1A-B716-9522B01910CD}"/>
+              </a:ext>
+            </a:extLst>
+          </p:cNvPr>
+          <p:cNvSpPr/>
+          <p:nvPr/>
+        </p:nvSpPr>
+        <p:spPr>
+          <a:xfrm>
+            <a:off x="1039725" y="4308468"/>
+            <a:ext cx="3261340" cy="564596"/>
+          </a:xfrm>
+          <a:prstGeom prst="rect">
+            <a:avLst/>
+          </a:prstGeom>
+          <a:solidFill>
+            <a:schemeClr val="accent3">
+              <a:lumMod val="75000"/>
+            </a:schemeClr>
+          </a:solidFill>
+          <a:ln>
+            <a:noFill/>
+          </a:ln>
+          <a:effectLst>
+            <a:outerShdw blurRad="50800" dist="38100" dir="2700000" algn="tl" rotWithShape="0">
+              <a:prstClr val="black">
+                <a:alpha val="40000"/>
+              </a:prstClr>
+            </a:outerShdw>
+          </a:effectLst>
+        </p:spPr>
+        <p:style>
+          <a:lnRef idx="2">
+            <a:schemeClr val="dk1">
+              <a:shade val="15000"/>
+            </a:schemeClr>
+          </a:lnRef>
+          <a:fillRef idx="1">
+            <a:schemeClr val="dk1"/>
+          </a:fillRef>
+          <a:effectRef idx="0">
+            <a:schemeClr val="dk1"/>
+          </a:effectRef>
+          <a:fontRef idx="minor">
+            <a:schemeClr val="lt1"/>
+          </a:fontRef>
+        </p:style>
+        <p:txBody>
+          <a:bodyPr rtlCol="0" anchor="ctr"/>
+          <a:lstStyle/>
+          <a:p>
+            <a:pPr algn="ctr"/>
+            <a:r>
+              <a:rPr lang="en-US" dirty="0">
+                <a:latin typeface="Open Sans" pitchFamily="2" charset="0"/>
+                <a:ea typeface="Open Sans" pitchFamily="2" charset="0"/>
+                <a:cs typeface="Open Sans" pitchFamily="2" charset="0"/>
+              </a:rPr>
+              <a:t>fabrication</a:t>
+            </a:r>
+            <a:endParaRPr lang="en-CH" dirty="0">
+              <a:latin typeface="Open Sans" pitchFamily="2" charset="0"/>
+              <a:ea typeface="Open Sans" pitchFamily="2" charset="0"/>
+              <a:cs typeface="Open Sans" pitchFamily="2" charset="0"/>
+            </a:endParaRPr>
+          </a:p>
+        </p:txBody>
+      </p:sp>
+      <p:sp>
+        <p:nvSpPr>
+          <p:cNvPr id="39" name="Title 38">
+            <a:extLst>
+              <a:ext uri="{FF2B5EF4-FFF2-40B4-BE49-F238E27FC236}">
+                <a16:creationId xmlns:a16="http://schemas.microsoft.com/office/drawing/2014/main" id="{8319E432-A03A-8B27-63B6-6109973FF80D}"/>
+              </a:ext>
+            </a:extLst>
+          </p:cNvPr>
+          <p:cNvSpPr>
+            <a:spLocks noGrp="1"/>
+          </p:cNvSpPr>
+          <p:nvPr>
+            <p:ph type="title"/>
+          </p:nvPr>
+        </p:nvSpPr>
+        <p:spPr/>
+        <p:txBody>
+          <a:bodyPr/>
+          <a:lstStyle/>
+          <a:p>
+            <a:pPr algn="ctr"/>
+            <a:r>
+              <a:rPr lang="en-US" dirty="0">
+                <a:latin typeface="Open Sans" pitchFamily="2" charset="0"/>
+                <a:ea typeface="Open Sans" pitchFamily="2" charset="0"/>
+                <a:cs typeface="Open Sans" pitchFamily="2" charset="0"/>
+              </a:rPr>
+              <a:t>Cross Connections</a:t>
+            </a:r>
+            <a:endParaRPr lang="en-CH" dirty="0">
+              <a:latin typeface="Open Sans" pitchFamily="2" charset="0"/>
+              <a:ea typeface="Open Sans" pitchFamily="2" charset="0"/>
+              <a:cs typeface="Open Sans" pitchFamily="2" charset="0"/>
+            </a:endParaRPr>
+          </a:p>
+        </p:txBody>
+      </p:sp>
+      <p:sp>
+        <p:nvSpPr>
+          <p:cNvPr id="2" name="Rectangle 1">
+            <a:extLst>
+              <a:ext uri="{FF2B5EF4-FFF2-40B4-BE49-F238E27FC236}">
+                <a16:creationId xmlns:a16="http://schemas.microsoft.com/office/drawing/2014/main" id="{92A8ACC5-007F-07CC-2283-30CA22299B43}"/>
+              </a:ext>
+            </a:extLst>
+          </p:cNvPr>
+          <p:cNvSpPr/>
+          <p:nvPr/>
+        </p:nvSpPr>
+        <p:spPr>
+          <a:xfrm>
+            <a:off x="4695650" y="1907651"/>
+            <a:ext cx="2204684" cy="564596"/>
+          </a:xfrm>
+          <a:prstGeom prst="rect">
+            <a:avLst/>
+          </a:prstGeom>
+          <a:solidFill>
+            <a:srgbClr val="00B0F0"/>
+          </a:solidFill>
+          <a:ln>
+            <a:noFill/>
+          </a:ln>
+          <a:effectLst>
+            <a:outerShdw blurRad="50800" dist="38100" dir="2700000" algn="tl" rotWithShape="0">
+              <a:prstClr val="black">
+                <a:alpha val="40000"/>
+              </a:prstClr>
+            </a:outerShdw>
+          </a:effectLst>
+        </p:spPr>
+        <p:style>
+          <a:lnRef idx="2">
+            <a:schemeClr val="dk1">
+              <a:shade val="15000"/>
+            </a:schemeClr>
+          </a:lnRef>
+          <a:fillRef idx="1">
+            <a:schemeClr val="dk1"/>
+          </a:fillRef>
+          <a:effectRef idx="0">
+            <a:schemeClr val="dk1"/>
+          </a:effectRef>
+          <a:fontRef idx="minor">
+            <a:schemeClr val="lt1"/>
+          </a:fontRef>
+        </p:style>
+        <p:txBody>
+          <a:bodyPr rtlCol="0" anchor="ctr"/>
+          <a:lstStyle/>
+          <a:p>
+            <a:pPr algn="ctr"/>
+            <a:r>
+              <a:rPr lang="en-US" dirty="0" err="1">
+                <a:latin typeface="Open Sans" pitchFamily="2" charset="0"/>
+                <a:ea typeface="Open Sans" pitchFamily="2" charset="0"/>
+                <a:cs typeface="Open Sans" pitchFamily="2" charset="0"/>
+              </a:rPr>
+              <a:t>select_polylines</a:t>
+            </a:r>
+            <a:endParaRPr lang="en-CH" dirty="0">
+              <a:latin typeface="Open Sans" pitchFamily="2" charset="0"/>
+              <a:ea typeface="Open Sans" pitchFamily="2" charset="0"/>
+              <a:cs typeface="Open Sans" pitchFamily="2" charset="0"/>
+            </a:endParaRPr>
+          </a:p>
+        </p:txBody>
+      </p:sp>
+      <p:sp>
+        <p:nvSpPr>
+          <p:cNvPr id="8" name="Rectangle 7">
+            <a:extLst>
+              <a:ext uri="{FF2B5EF4-FFF2-40B4-BE49-F238E27FC236}">
+                <a16:creationId xmlns:a16="http://schemas.microsoft.com/office/drawing/2014/main" id="{420A82A4-9D89-2E34-9C7D-982A38CDBFC5}"/>
+              </a:ext>
+            </a:extLst>
+          </p:cNvPr>
+          <p:cNvSpPr/>
+          <p:nvPr/>
+        </p:nvSpPr>
+        <p:spPr>
+          <a:xfrm>
+            <a:off x="7101860" y="1907651"/>
+            <a:ext cx="2204684" cy="564596"/>
+          </a:xfrm>
+          <a:prstGeom prst="rect">
+            <a:avLst/>
+          </a:prstGeom>
+          <a:solidFill>
+            <a:srgbClr val="00B0F0"/>
+          </a:solidFill>
+          <a:ln>
+            <a:noFill/>
+          </a:ln>
+          <a:effectLst>
+            <a:outerShdw blurRad="50800" dist="38100" dir="2700000" algn="tl" rotWithShape="0">
+              <a:prstClr val="black">
+                <a:alpha val="40000"/>
+              </a:prstClr>
+            </a:outerShdw>
+          </a:effectLst>
+        </p:spPr>
+        <p:style>
+          <a:lnRef idx="2">
+            <a:schemeClr val="dk1">
+              <a:shade val="15000"/>
+            </a:schemeClr>
+          </a:lnRef>
+          <a:fillRef idx="1">
+            <a:schemeClr val="dk1"/>
+          </a:fillRef>
+          <a:effectRef idx="0">
+            <a:schemeClr val="dk1"/>
+          </a:effectRef>
+          <a:fontRef idx="minor">
+            <a:schemeClr val="lt1"/>
+          </a:fontRef>
+        </p:style>
+        <p:txBody>
+          <a:bodyPr rtlCol="0" anchor="ctr"/>
+          <a:lstStyle/>
+          <a:p>
+            <a:pPr algn="ctr"/>
+            <a:r>
+              <a:rPr lang="en-US" dirty="0" err="1">
+                <a:latin typeface="Open Sans" pitchFamily="2" charset="0"/>
+                <a:ea typeface="Open Sans" pitchFamily="2" charset="0"/>
+                <a:cs typeface="Open Sans" pitchFamily="2" charset="0"/>
+              </a:rPr>
+              <a:t>select_polylines</a:t>
+            </a:r>
+            <a:endParaRPr lang="en-CH" dirty="0">
+              <a:latin typeface="Open Sans" pitchFamily="2" charset="0"/>
+              <a:ea typeface="Open Sans" pitchFamily="2" charset="0"/>
+              <a:cs typeface="Open Sans" pitchFamily="2" charset="0"/>
+            </a:endParaRPr>
+          </a:p>
+        </p:txBody>
+      </p:sp>
+    </p:spTree>
+    <p:extLst>
+      <p:ext uri="{BB962C8B-B14F-4D97-AF65-F5344CB8AC3E}">
+        <p14:creationId xmlns:p14="http://schemas.microsoft.com/office/powerpoint/2010/main" val="2766553123"/>
+      </p:ext>
+    </p:extLst>
+  </p:cSld>
+  <p:clrMapOvr>
+    <a:masterClrMapping/>
+  </p:clrMapOvr>
+</p:sld>
+</file>
+
 <file path=ppt/theme/theme1.xml><?xml version="1.0" encoding="utf-8"?>
 <a:theme xmlns:a="http://schemas.openxmlformats.org/drawingml/2006/main" name="Office Theme">
   <a:themeElements>
